--- a/extras/funcionamiento_app.pptx
+++ b/extras/funcionamiento_app.pptx
@@ -249,7 +249,7 @@
           <a:p>
             <a:fld id="{818502CF-AF25-4FDD-9B00-87354B44BC67}" type="datetimeFigureOut">
               <a:rPr lang="en-US" smtClean="0"/>
-              <a:t>11/18/2025</a:t>
+              <a:t>11/19/2025</a:t>
             </a:fld>
             <a:endParaRPr lang="en-US" dirty="0"/>
           </a:p>
@@ -419,7 +419,7 @@
           <a:p>
             <a:fld id="{818502CF-AF25-4FDD-9B00-87354B44BC67}" type="datetimeFigureOut">
               <a:rPr lang="en-US" smtClean="0"/>
-              <a:t>11/18/2025</a:t>
+              <a:t>11/19/2025</a:t>
             </a:fld>
             <a:endParaRPr lang="en-US" dirty="0"/>
           </a:p>
@@ -599,7 +599,7 @@
           <a:p>
             <a:fld id="{818502CF-AF25-4FDD-9B00-87354B44BC67}" type="datetimeFigureOut">
               <a:rPr lang="en-US" smtClean="0"/>
-              <a:t>11/18/2025</a:t>
+              <a:t>11/19/2025</a:t>
             </a:fld>
             <a:endParaRPr lang="en-US" dirty="0"/>
           </a:p>
@@ -769,7 +769,7 @@
           <a:p>
             <a:fld id="{818502CF-AF25-4FDD-9B00-87354B44BC67}" type="datetimeFigureOut">
               <a:rPr lang="en-US" smtClean="0"/>
-              <a:t>11/18/2025</a:t>
+              <a:t>11/19/2025</a:t>
             </a:fld>
             <a:endParaRPr lang="en-US" dirty="0"/>
           </a:p>
@@ -1015,7 +1015,7 @@
           <a:p>
             <a:fld id="{818502CF-AF25-4FDD-9B00-87354B44BC67}" type="datetimeFigureOut">
               <a:rPr lang="en-US" smtClean="0"/>
-              <a:t>11/18/2025</a:t>
+              <a:t>11/19/2025</a:t>
             </a:fld>
             <a:endParaRPr lang="en-US" dirty="0"/>
           </a:p>
@@ -1247,7 +1247,7 @@
           <a:p>
             <a:fld id="{818502CF-AF25-4FDD-9B00-87354B44BC67}" type="datetimeFigureOut">
               <a:rPr lang="en-US" smtClean="0"/>
-              <a:t>11/18/2025</a:t>
+              <a:t>11/19/2025</a:t>
             </a:fld>
             <a:endParaRPr lang="en-US" dirty="0"/>
           </a:p>
@@ -1614,7 +1614,7 @@
           <a:p>
             <a:fld id="{818502CF-AF25-4FDD-9B00-87354B44BC67}" type="datetimeFigureOut">
               <a:rPr lang="en-US" smtClean="0"/>
-              <a:t>11/18/2025</a:t>
+              <a:t>11/19/2025</a:t>
             </a:fld>
             <a:endParaRPr lang="en-US" dirty="0"/>
           </a:p>
@@ -1732,7 +1732,7 @@
           <a:p>
             <a:fld id="{818502CF-AF25-4FDD-9B00-87354B44BC67}" type="datetimeFigureOut">
               <a:rPr lang="en-US" smtClean="0"/>
-              <a:t>11/18/2025</a:t>
+              <a:t>11/19/2025</a:t>
             </a:fld>
             <a:endParaRPr lang="en-US" dirty="0"/>
           </a:p>
@@ -1827,7 +1827,7 @@
           <a:p>
             <a:fld id="{818502CF-AF25-4FDD-9B00-87354B44BC67}" type="datetimeFigureOut">
               <a:rPr lang="en-US" smtClean="0"/>
-              <a:t>11/18/2025</a:t>
+              <a:t>11/19/2025</a:t>
             </a:fld>
             <a:endParaRPr lang="en-US" dirty="0"/>
           </a:p>
@@ -2104,7 +2104,7 @@
           <a:p>
             <a:fld id="{818502CF-AF25-4FDD-9B00-87354B44BC67}" type="datetimeFigureOut">
               <a:rPr lang="en-US" smtClean="0"/>
-              <a:t>11/18/2025</a:t>
+              <a:t>11/19/2025</a:t>
             </a:fld>
             <a:endParaRPr lang="en-US" dirty="0"/>
           </a:p>
@@ -2361,7 +2361,7 @@
           <a:p>
             <a:fld id="{818502CF-AF25-4FDD-9B00-87354B44BC67}" type="datetimeFigureOut">
               <a:rPr lang="en-US" smtClean="0"/>
-              <a:t>11/18/2025</a:t>
+              <a:t>11/19/2025</a:t>
             </a:fld>
             <a:endParaRPr lang="en-US" dirty="0"/>
           </a:p>
@@ -2574,7 +2574,7 @@
           <a:p>
             <a:fld id="{818502CF-AF25-4FDD-9B00-87354B44BC67}" type="datetimeFigureOut">
               <a:rPr lang="en-US" smtClean="0"/>
-              <a:t>11/18/2025</a:t>
+              <a:t>11/19/2025</a:t>
             </a:fld>
             <a:endParaRPr lang="en-US" dirty="0"/>
           </a:p>
@@ -3039,7 +3039,29 @@
                 </a:solidFill>
                 <a:latin typeface="Consolas" panose="020B0609020204030204" pitchFamily="49" charset="0"/>
               </a:rPr>
-              <a:t>  title = "Mi primer app",</a:t>
+              <a:t>  title = "Mi </a:t>
+            </a:r>
+            <a:r>
+              <a:rPr lang="en-US" sz="1050" dirty="0" err="1">
+                <a:solidFill>
+                  <a:schemeClr val="bg1">
+                    <a:lumMod val="50000"/>
+                  </a:schemeClr>
+                </a:solidFill>
+                <a:latin typeface="Consolas" panose="020B0609020204030204" pitchFamily="49" charset="0"/>
+              </a:rPr>
+              <a:t>primera</a:t>
+            </a:r>
+            <a:r>
+              <a:rPr lang="en-US" sz="1050" dirty="0">
+                <a:solidFill>
+                  <a:schemeClr val="bg1">
+                    <a:lumMod val="50000"/>
+                  </a:schemeClr>
+                </a:solidFill>
+                <a:latin typeface="Consolas" panose="020B0609020204030204" pitchFamily="49" charset="0"/>
+              </a:rPr>
+              <a:t> app",</a:t>
             </a:r>
           </a:p>
           <a:p>
@@ -3527,7 +3549,29 @@
                 </a:solidFill>
                 <a:latin typeface="Consolas" panose="020B0609020204030204" pitchFamily="49" charset="0"/>
               </a:rPr>
-              <a:t>  title = "Mi primer app",</a:t>
+              <a:t>  title = "Mi </a:t>
+            </a:r>
+            <a:r>
+              <a:rPr lang="en-US" sz="1050" dirty="0" err="1">
+                <a:solidFill>
+                  <a:schemeClr val="bg1">
+                    <a:lumMod val="50000"/>
+                  </a:schemeClr>
+                </a:solidFill>
+                <a:latin typeface="Consolas" panose="020B0609020204030204" pitchFamily="49" charset="0"/>
+              </a:rPr>
+              <a:t>primera</a:t>
+            </a:r>
+            <a:r>
+              <a:rPr lang="en-US" sz="1050" dirty="0">
+                <a:solidFill>
+                  <a:schemeClr val="bg1">
+                    <a:lumMod val="50000"/>
+                  </a:schemeClr>
+                </a:solidFill>
+                <a:latin typeface="Consolas" panose="020B0609020204030204" pitchFamily="49" charset="0"/>
+              </a:rPr>
+              <a:t> app",</a:t>
             </a:r>
           </a:p>
           <a:p>
@@ -4210,7 +4254,29 @@
                 </a:solidFill>
                 <a:latin typeface="Consolas" panose="020B0609020204030204" pitchFamily="49" charset="0"/>
               </a:rPr>
-              <a:t>  title = "Mi primer app",</a:t>
+              <a:t>  title = "Mi </a:t>
+            </a:r>
+            <a:r>
+              <a:rPr lang="en-US" sz="1050" dirty="0" err="1">
+                <a:solidFill>
+                  <a:schemeClr val="bg1">
+                    <a:lumMod val="50000"/>
+                  </a:schemeClr>
+                </a:solidFill>
+                <a:latin typeface="Consolas" panose="020B0609020204030204" pitchFamily="49" charset="0"/>
+              </a:rPr>
+              <a:t>primera</a:t>
+            </a:r>
+            <a:r>
+              <a:rPr lang="en-US" sz="1050" dirty="0">
+                <a:solidFill>
+                  <a:schemeClr val="bg1">
+                    <a:lumMod val="50000"/>
+                  </a:schemeClr>
+                </a:solidFill>
+                <a:latin typeface="Consolas" panose="020B0609020204030204" pitchFamily="49" charset="0"/>
+              </a:rPr>
+              <a:t> app",</a:t>
             </a:r>
           </a:p>
           <a:p>
@@ -5124,7 +5190,29 @@
                 </a:solidFill>
                 <a:latin typeface="Consolas" panose="020B0609020204030204" pitchFamily="49" charset="0"/>
               </a:rPr>
-              <a:t>  title = "Mi primer app",</a:t>
+              <a:t>  title = "Mi </a:t>
+            </a:r>
+            <a:r>
+              <a:rPr lang="en-US" sz="1050" dirty="0" err="1">
+                <a:solidFill>
+                  <a:schemeClr val="bg1">
+                    <a:lumMod val="50000"/>
+                  </a:schemeClr>
+                </a:solidFill>
+                <a:latin typeface="Consolas" panose="020B0609020204030204" pitchFamily="49" charset="0"/>
+              </a:rPr>
+              <a:t>primera</a:t>
+            </a:r>
+            <a:r>
+              <a:rPr lang="en-US" sz="1050" dirty="0">
+                <a:solidFill>
+                  <a:schemeClr val="bg1">
+                    <a:lumMod val="50000"/>
+                  </a:schemeClr>
+                </a:solidFill>
+                <a:latin typeface="Consolas" panose="020B0609020204030204" pitchFamily="49" charset="0"/>
+              </a:rPr>
+              <a:t> app",</a:t>
             </a:r>
           </a:p>
           <a:p>
@@ -6161,7 +6249,29 @@
                 </a:solidFill>
                 <a:latin typeface="Consolas" panose="020B0609020204030204" pitchFamily="49" charset="0"/>
               </a:rPr>
-              <a:t>  title = "Mi primer app",</a:t>
+              <a:t>  title = "Mi </a:t>
+            </a:r>
+            <a:r>
+              <a:rPr lang="en-US" sz="1050" dirty="0" err="1">
+                <a:solidFill>
+                  <a:schemeClr val="bg1">
+                    <a:lumMod val="50000"/>
+                  </a:schemeClr>
+                </a:solidFill>
+                <a:latin typeface="Consolas" panose="020B0609020204030204" pitchFamily="49" charset="0"/>
+              </a:rPr>
+              <a:t>primera</a:t>
+            </a:r>
+            <a:r>
+              <a:rPr lang="en-US" sz="1050" dirty="0">
+                <a:solidFill>
+                  <a:schemeClr val="bg1">
+                    <a:lumMod val="50000"/>
+                  </a:schemeClr>
+                </a:solidFill>
+                <a:latin typeface="Consolas" panose="020B0609020204030204" pitchFamily="49" charset="0"/>
+              </a:rPr>
+              <a:t> app",</a:t>
             </a:r>
           </a:p>
           <a:p>
@@ -6971,7 +7081,29 @@
                 </a:solidFill>
                 <a:latin typeface="Consolas" panose="020B0609020204030204" pitchFamily="49" charset="0"/>
               </a:rPr>
-              <a:t>  title = "Mi primer app",</a:t>
+              <a:t>  title = "Mi </a:t>
+            </a:r>
+            <a:r>
+              <a:rPr lang="en-US" sz="1050" dirty="0" err="1">
+                <a:solidFill>
+                  <a:schemeClr val="bg1">
+                    <a:lumMod val="50000"/>
+                  </a:schemeClr>
+                </a:solidFill>
+                <a:latin typeface="Consolas" panose="020B0609020204030204" pitchFamily="49" charset="0"/>
+              </a:rPr>
+              <a:t>primera</a:t>
+            </a:r>
+            <a:r>
+              <a:rPr lang="en-US" sz="1050" dirty="0">
+                <a:solidFill>
+                  <a:schemeClr val="bg1">
+                    <a:lumMod val="50000"/>
+                  </a:schemeClr>
+                </a:solidFill>
+                <a:latin typeface="Consolas" panose="020B0609020204030204" pitchFamily="49" charset="0"/>
+              </a:rPr>
+              <a:t> app",</a:t>
             </a:r>
           </a:p>
           <a:p>
@@ -8008,7 +8140,29 @@
                 </a:solidFill>
                 <a:latin typeface="Consolas" panose="020B0609020204030204" pitchFamily="49" charset="0"/>
               </a:rPr>
-              <a:t>  title = "Mi primer app",</a:t>
+              <a:t>  title = "Mi </a:t>
+            </a:r>
+            <a:r>
+              <a:rPr lang="en-US" sz="1050" dirty="0" err="1">
+                <a:solidFill>
+                  <a:schemeClr val="bg1">
+                    <a:lumMod val="50000"/>
+                  </a:schemeClr>
+                </a:solidFill>
+                <a:latin typeface="Consolas" panose="020B0609020204030204" pitchFamily="49" charset="0"/>
+              </a:rPr>
+              <a:t>primera</a:t>
+            </a:r>
+            <a:r>
+              <a:rPr lang="en-US" sz="1050" dirty="0">
+                <a:solidFill>
+                  <a:schemeClr val="bg1">
+                    <a:lumMod val="50000"/>
+                  </a:schemeClr>
+                </a:solidFill>
+                <a:latin typeface="Consolas" panose="020B0609020204030204" pitchFamily="49" charset="0"/>
+              </a:rPr>
+              <a:t> app",</a:t>
             </a:r>
           </a:p>
           <a:p>
